--- a/file_overview/Credit Card Flowchart.pptx
+++ b/file_overview/Credit Card Flowchart.pptx
@@ -243,7 +243,7 @@
           <a:p>
             <a:fld id="{4D757F6C-E118-44CB-A859-2E8D635EEEFF}" type="datetimeFigureOut">
               <a:rPr lang="en-US" smtClean="0"/>
-              <a:t>29-Jan-2023</a:t>
+              <a:t>30-Jan-2023</a:t>
             </a:fld>
             <a:endParaRPr lang="en-US"/>
           </a:p>
@@ -421,7 +421,7 @@
           <a:p>
             <a:fld id="{4D757F6C-E118-44CB-A859-2E8D635EEEFF}" type="datetimeFigureOut">
               <a:rPr lang="en-US" smtClean="0"/>
-              <a:t>29-Jan-2023</a:t>
+              <a:t>30-Jan-2023</a:t>
             </a:fld>
             <a:endParaRPr lang="en-US"/>
           </a:p>
@@ -609,7 +609,7 @@
           <a:p>
             <a:fld id="{4D757F6C-E118-44CB-A859-2E8D635EEEFF}" type="datetimeFigureOut">
               <a:rPr lang="en-US" smtClean="0"/>
-              <a:t>29-Jan-2023</a:t>
+              <a:t>30-Jan-2023</a:t>
             </a:fld>
             <a:endParaRPr lang="en-US"/>
           </a:p>
@@ -787,7 +787,7 @@
           <a:p>
             <a:fld id="{4D757F6C-E118-44CB-A859-2E8D635EEEFF}" type="datetimeFigureOut">
               <a:rPr lang="en-US" smtClean="0"/>
-              <a:t>29-Jan-2023</a:t>
+              <a:t>30-Jan-2023</a:t>
             </a:fld>
             <a:endParaRPr lang="en-US"/>
           </a:p>
@@ -1041,7 +1041,7 @@
           <a:p>
             <a:fld id="{4D757F6C-E118-44CB-A859-2E8D635EEEFF}" type="datetimeFigureOut">
               <a:rPr lang="en-US" smtClean="0"/>
-              <a:t>29-Jan-2023</a:t>
+              <a:t>30-Jan-2023</a:t>
             </a:fld>
             <a:endParaRPr lang="en-US"/>
           </a:p>
@@ -1281,7 +1281,7 @@
           <a:p>
             <a:fld id="{4D757F6C-E118-44CB-A859-2E8D635EEEFF}" type="datetimeFigureOut">
               <a:rPr lang="en-US" smtClean="0"/>
-              <a:t>29-Jan-2023</a:t>
+              <a:t>30-Jan-2023</a:t>
             </a:fld>
             <a:endParaRPr lang="en-US"/>
           </a:p>
@@ -1656,7 +1656,7 @@
           <a:p>
             <a:fld id="{4D757F6C-E118-44CB-A859-2E8D635EEEFF}" type="datetimeFigureOut">
               <a:rPr lang="en-US" smtClean="0"/>
-              <a:t>29-Jan-2023</a:t>
+              <a:t>30-Jan-2023</a:t>
             </a:fld>
             <a:endParaRPr lang="en-US"/>
           </a:p>
@@ -1782,7 +1782,7 @@
           <a:p>
             <a:fld id="{4D757F6C-E118-44CB-A859-2E8D635EEEFF}" type="datetimeFigureOut">
               <a:rPr lang="en-US" smtClean="0"/>
-              <a:t>29-Jan-2023</a:t>
+              <a:t>30-Jan-2023</a:t>
             </a:fld>
             <a:endParaRPr lang="en-US"/>
           </a:p>
@@ -1885,7 +1885,7 @@
           <a:p>
             <a:fld id="{4D757F6C-E118-44CB-A859-2E8D635EEEFF}" type="datetimeFigureOut">
               <a:rPr lang="en-US" smtClean="0"/>
-              <a:t>29-Jan-2023</a:t>
+              <a:t>30-Jan-2023</a:t>
             </a:fld>
             <a:endParaRPr lang="en-US"/>
           </a:p>
@@ -2170,7 +2170,7 @@
           <a:p>
             <a:fld id="{4D757F6C-E118-44CB-A859-2E8D635EEEFF}" type="datetimeFigureOut">
               <a:rPr lang="en-US" smtClean="0"/>
-              <a:t>29-Jan-2023</a:t>
+              <a:t>30-Jan-2023</a:t>
             </a:fld>
             <a:endParaRPr lang="en-US"/>
           </a:p>
@@ -2431,7 +2431,7 @@
           <a:p>
             <a:fld id="{4D757F6C-E118-44CB-A859-2E8D635EEEFF}" type="datetimeFigureOut">
               <a:rPr lang="en-US" smtClean="0"/>
-              <a:t>29-Jan-2023</a:t>
+              <a:t>30-Jan-2023</a:t>
             </a:fld>
             <a:endParaRPr lang="en-US"/>
           </a:p>
@@ -2652,7 +2652,7 @@
           <a:p>
             <a:fld id="{4D757F6C-E118-44CB-A859-2E8D635EEEFF}" type="datetimeFigureOut">
               <a:rPr lang="en-US" smtClean="0"/>
-              <a:t>29-Jan-2023</a:t>
+              <a:t>30-Jan-2023</a:t>
             </a:fld>
             <a:endParaRPr lang="en-US"/>
           </a:p>
@@ -3691,7 +3691,7 @@
         </p:nvSpPr>
         <p:spPr>
           <a:xfrm>
-            <a:off x="268475" y="2464403"/>
+            <a:off x="238759" y="2699284"/>
             <a:ext cx="1531381" cy="369332"/>
           </a:xfrm>
           <a:prstGeom prst="rect">
@@ -3739,7 +3739,7 @@
         </p:nvSpPr>
         <p:spPr>
           <a:xfrm>
-            <a:off x="2113702" y="2464403"/>
+            <a:off x="1254867" y="3236990"/>
             <a:ext cx="1612301" cy="369332"/>
           </a:xfrm>
           <a:prstGeom prst="rect">
@@ -3787,7 +3787,7 @@
         </p:nvSpPr>
         <p:spPr>
           <a:xfrm>
-            <a:off x="4045312" y="2464403"/>
+            <a:off x="3365311" y="2685788"/>
             <a:ext cx="2100832" cy="369332"/>
           </a:xfrm>
           <a:prstGeom prst="rect">
@@ -3835,7 +3835,7 @@
         </p:nvSpPr>
         <p:spPr>
           <a:xfrm>
-            <a:off x="6465453" y="2464403"/>
+            <a:off x="4971526" y="3236990"/>
             <a:ext cx="1500924" cy="369332"/>
           </a:xfrm>
           <a:prstGeom prst="rect">
@@ -3883,7 +3883,7 @@
         </p:nvSpPr>
         <p:spPr>
           <a:xfrm>
-            <a:off x="8285686" y="2466263"/>
+            <a:off x="6504039" y="2699284"/>
             <a:ext cx="1821653" cy="369332"/>
           </a:xfrm>
           <a:prstGeom prst="rect">
@@ -3931,7 +3931,7 @@
         </p:nvSpPr>
         <p:spPr>
           <a:xfrm>
-            <a:off x="10426648" y="2464403"/>
+            <a:off x="7816167" y="3236990"/>
             <a:ext cx="1494320" cy="369332"/>
           </a:xfrm>
           <a:prstGeom prst="rect">
@@ -3980,7 +3980,7 @@
         <p:spPr>
           <a:xfrm>
             <a:off x="143125" y="2174225"/>
-            <a:ext cx="11914360" cy="1004005"/>
+            <a:ext cx="11914360" cy="1867936"/>
           </a:xfrm>
           <a:prstGeom prst="roundRect">
             <a:avLst/>
@@ -4020,7 +4020,7 @@
         </p:nvSpPr>
         <p:spPr>
           <a:xfrm>
-            <a:off x="10993546" y="2857783"/>
+            <a:off x="10976455" y="3622481"/>
             <a:ext cx="849913" cy="338554"/>
           </a:xfrm>
           <a:prstGeom prst="rect">
@@ -4053,8 +4053,8 @@
         </p:nvCxnSpPr>
         <p:spPr>
           <a:xfrm flipH="1">
-            <a:off x="1034166" y="1512986"/>
-            <a:ext cx="4687823" cy="951417"/>
+            <a:off x="1004450" y="1512986"/>
+            <a:ext cx="4717539" cy="1186298"/>
           </a:xfrm>
           <a:prstGeom prst="straightConnector1">
             <a:avLst/>
@@ -4081,16 +4081,13 @@
       <p:cxnSp>
         <p:nvCxnSpPr>
           <p:cNvPr id="32" name="Straight Arrow Connector 31"/>
-          <p:cNvCxnSpPr>
-            <a:stCxn id="8" idx="2"/>
-            <a:endCxn id="15" idx="0"/>
-          </p:cNvCxnSpPr>
+          <p:cNvCxnSpPr/>
           <p:nvPr/>
         </p:nvCxnSpPr>
         <p:spPr>
           <a:xfrm flipH="1">
-            <a:off x="2919853" y="1512986"/>
-            <a:ext cx="2802136" cy="951417"/>
+            <a:off x="2410769" y="1514491"/>
+            <a:ext cx="3342808" cy="1624416"/>
           </a:xfrm>
           <a:prstGeom prst="straightConnector1">
             <a:avLst/>
@@ -4125,8 +4122,8 @@
         </p:nvCxnSpPr>
         <p:spPr>
           <a:xfrm flipH="1">
-            <a:off x="5095728" y="1512986"/>
-            <a:ext cx="626261" cy="951417"/>
+            <a:off x="4415727" y="1512986"/>
+            <a:ext cx="1306262" cy="1172802"/>
           </a:xfrm>
           <a:prstGeom prst="straightConnector1">
             <a:avLst/>
@@ -4160,9 +4157,9 @@
           <p:nvPr/>
         </p:nvCxnSpPr>
         <p:spPr>
-          <a:xfrm>
-            <a:off x="5721989" y="1512986"/>
-            <a:ext cx="1493926" cy="951417"/>
+          <a:xfrm flipH="1">
+            <a:off x="5721988" y="1512986"/>
+            <a:ext cx="1" cy="1724004"/>
           </a:xfrm>
           <a:prstGeom prst="straightConnector1">
             <a:avLst/>
@@ -4198,7 +4195,170 @@
         <p:spPr>
           <a:xfrm>
             <a:off x="5721989" y="1512986"/>
-            <a:ext cx="3474524" cy="953277"/>
+            <a:ext cx="1692877" cy="1186298"/>
+          </a:xfrm>
+          <a:prstGeom prst="straightConnector1">
+            <a:avLst/>
+          </a:prstGeom>
+          <a:ln>
+            <a:tailEnd type="triangle"/>
+          </a:ln>
+        </p:spPr>
+        <p:style>
+          <a:lnRef idx="1">
+            <a:schemeClr val="accent1"/>
+          </a:lnRef>
+          <a:fillRef idx="0">
+            <a:schemeClr val="accent1"/>
+          </a:fillRef>
+          <a:effectRef idx="0">
+            <a:schemeClr val="accent1"/>
+          </a:effectRef>
+          <a:fontRef idx="minor">
+            <a:schemeClr val="tx1"/>
+          </a:fontRef>
+        </p:style>
+      </p:cxnSp>
+      <p:sp>
+        <p:nvSpPr>
+          <p:cNvPr id="37" name="TextBox 36"/>
+          <p:cNvSpPr txBox="1"/>
+          <p:nvPr/>
+        </p:nvSpPr>
+        <p:spPr>
+          <a:xfrm>
+            <a:off x="8816086" y="2699284"/>
+            <a:ext cx="992772" cy="369332"/>
+          </a:xfrm>
+          <a:prstGeom prst="rect">
+            <a:avLst/>
+          </a:prstGeom>
+          <a:ln>
+            <a:solidFill>
+              <a:schemeClr val="accent1"/>
+            </a:solidFill>
+          </a:ln>
+        </p:spPr>
+        <p:style>
+          <a:lnRef idx="2">
+            <a:schemeClr val="dk1"/>
+          </a:lnRef>
+          <a:fillRef idx="1">
+            <a:schemeClr val="lt1"/>
+          </a:fillRef>
+          <a:effectRef idx="0">
+            <a:schemeClr val="dk1"/>
+          </a:effectRef>
+          <a:fontRef idx="minor">
+            <a:schemeClr val="dk1"/>
+          </a:fontRef>
+        </p:style>
+        <p:txBody>
+          <a:bodyPr wrap="none" rtlCol="0">
+            <a:spAutoFit/>
+          </a:bodyPr>
+          <a:lstStyle/>
+          <a:p>
+            <a:r>
+              <a:rPr lang="en-US" dirty="0" smtClean="0"/>
+              <a:t>constant</a:t>
+            </a:r>
+            <a:endParaRPr lang="en-US" dirty="0"/>
+          </a:p>
+        </p:txBody>
+      </p:sp>
+      <p:sp>
+        <p:nvSpPr>
+          <p:cNvPr id="39" name="TextBox 38"/>
+          <p:cNvSpPr txBox="1"/>
+          <p:nvPr/>
+        </p:nvSpPr>
+        <p:spPr>
+          <a:xfrm>
+            <a:off x="9936826" y="3236990"/>
+            <a:ext cx="489236" cy="369332"/>
+          </a:xfrm>
+          <a:prstGeom prst="rect">
+            <a:avLst/>
+          </a:prstGeom>
+          <a:ln>
+            <a:solidFill>
+              <a:schemeClr val="accent1"/>
+            </a:solidFill>
+          </a:ln>
+        </p:spPr>
+        <p:style>
+          <a:lnRef idx="2">
+            <a:schemeClr val="dk1"/>
+          </a:lnRef>
+          <a:fillRef idx="1">
+            <a:schemeClr val="lt1"/>
+          </a:fillRef>
+          <a:effectRef idx="0">
+            <a:schemeClr val="dk1"/>
+          </a:effectRef>
+          <a:fontRef idx="minor">
+            <a:schemeClr val="dk1"/>
+          </a:fontRef>
+        </p:style>
+        <p:txBody>
+          <a:bodyPr wrap="none" rtlCol="0">
+            <a:spAutoFit/>
+          </a:bodyPr>
+          <a:lstStyle/>
+          <a:p>
+            <a:r>
+              <a:rPr lang="en-US" dirty="0" err="1" smtClean="0"/>
+              <a:t>util</a:t>
+            </a:r>
+            <a:endParaRPr lang="en-US" dirty="0"/>
+          </a:p>
+        </p:txBody>
+      </p:sp>
+      <p:cxnSp>
+        <p:nvCxnSpPr>
+          <p:cNvPr id="60" name="Straight Connector 59"/>
+          <p:cNvCxnSpPr>
+            <a:stCxn id="8" idx="2"/>
+          </p:cNvCxnSpPr>
+          <p:nvPr/>
+        </p:nvCxnSpPr>
+        <p:spPr>
+          <a:xfrm>
+            <a:off x="5721989" y="1512986"/>
+            <a:ext cx="2841338" cy="1025115"/>
+          </a:xfrm>
+          <a:prstGeom prst="line">
+            <a:avLst/>
+          </a:prstGeom>
+        </p:spPr>
+        <p:style>
+          <a:lnRef idx="1">
+            <a:schemeClr val="accent1"/>
+          </a:lnRef>
+          <a:fillRef idx="0">
+            <a:schemeClr val="accent1"/>
+          </a:fillRef>
+          <a:effectRef idx="0">
+            <a:schemeClr val="accent1"/>
+          </a:effectRef>
+          <a:fontRef idx="minor">
+            <a:schemeClr val="tx1"/>
+          </a:fontRef>
+        </p:style>
+      </p:cxnSp>
+      <p:cxnSp>
+        <p:nvCxnSpPr>
+          <p:cNvPr id="65" name="Straight Arrow Connector 64"/>
+          <p:cNvCxnSpPr>
+            <a:endCxn id="22" idx="0"/>
+          </p:cNvCxnSpPr>
+          <p:nvPr/>
+        </p:nvCxnSpPr>
+        <p:spPr>
+          <a:xfrm>
+            <a:off x="8563327" y="2538101"/>
+            <a:ext cx="0" cy="698889"/>
           </a:xfrm>
           <a:prstGeom prst="straightConnector1">
             <a:avLst/>
@@ -4224,17 +4384,113 @@
       </p:cxnSp>
       <p:cxnSp>
         <p:nvCxnSpPr>
-          <p:cNvPr id="40" name="Straight Arrow Connector 39"/>
+          <p:cNvPr id="67" name="Straight Connector 66"/>
           <p:cNvCxnSpPr>
             <a:stCxn id="8" idx="2"/>
-            <a:endCxn id="22" idx="0"/>
           </p:cNvCxnSpPr>
           <p:nvPr/>
         </p:nvCxnSpPr>
         <p:spPr>
           <a:xfrm>
             <a:off x="5721989" y="1512986"/>
-            <a:ext cx="5451819" cy="951417"/>
+            <a:ext cx="3588498" cy="919719"/>
+          </a:xfrm>
+          <a:prstGeom prst="line">
+            <a:avLst/>
+          </a:prstGeom>
+        </p:spPr>
+        <p:style>
+          <a:lnRef idx="1">
+            <a:schemeClr val="accent1"/>
+          </a:lnRef>
+          <a:fillRef idx="0">
+            <a:schemeClr val="accent1"/>
+          </a:fillRef>
+          <a:effectRef idx="0">
+            <a:schemeClr val="accent1"/>
+          </a:effectRef>
+          <a:fontRef idx="minor">
+            <a:schemeClr val="tx1"/>
+          </a:fontRef>
+        </p:style>
+      </p:cxnSp>
+      <p:cxnSp>
+        <p:nvCxnSpPr>
+          <p:cNvPr id="74" name="Straight Arrow Connector 73"/>
+          <p:cNvCxnSpPr>
+            <a:endCxn id="37" idx="0"/>
+          </p:cNvCxnSpPr>
+          <p:nvPr/>
+        </p:nvCxnSpPr>
+        <p:spPr>
+          <a:xfrm>
+            <a:off x="9310487" y="2432705"/>
+            <a:ext cx="1985" cy="266579"/>
+          </a:xfrm>
+          <a:prstGeom prst="straightConnector1">
+            <a:avLst/>
+          </a:prstGeom>
+          <a:ln>
+            <a:tailEnd type="triangle"/>
+          </a:ln>
+        </p:spPr>
+        <p:style>
+          <a:lnRef idx="1">
+            <a:schemeClr val="accent1"/>
+          </a:lnRef>
+          <a:fillRef idx="0">
+            <a:schemeClr val="accent1"/>
+          </a:fillRef>
+          <a:effectRef idx="0">
+            <a:schemeClr val="accent1"/>
+          </a:effectRef>
+          <a:fontRef idx="minor">
+            <a:schemeClr val="tx1"/>
+          </a:fontRef>
+        </p:style>
+      </p:cxnSp>
+      <p:cxnSp>
+        <p:nvCxnSpPr>
+          <p:cNvPr id="76" name="Straight Connector 75"/>
+          <p:cNvCxnSpPr>
+            <a:stCxn id="8" idx="2"/>
+          </p:cNvCxnSpPr>
+          <p:nvPr/>
+        </p:nvCxnSpPr>
+        <p:spPr>
+          <a:xfrm>
+            <a:off x="5721989" y="1512986"/>
+            <a:ext cx="4459455" cy="856741"/>
+          </a:xfrm>
+          <a:prstGeom prst="line">
+            <a:avLst/>
+          </a:prstGeom>
+        </p:spPr>
+        <p:style>
+          <a:lnRef idx="1">
+            <a:schemeClr val="accent1"/>
+          </a:lnRef>
+          <a:fillRef idx="0">
+            <a:schemeClr val="accent1"/>
+          </a:fillRef>
+          <a:effectRef idx="0">
+            <a:schemeClr val="accent1"/>
+          </a:effectRef>
+          <a:fontRef idx="minor">
+            <a:schemeClr val="tx1"/>
+          </a:fontRef>
+        </p:style>
+      </p:cxnSp>
+      <p:cxnSp>
+        <p:nvCxnSpPr>
+          <p:cNvPr id="82" name="Straight Arrow Connector 81"/>
+          <p:cNvCxnSpPr/>
+          <p:nvPr/>
+        </p:nvCxnSpPr>
+        <p:spPr>
+          <a:xfrm>
+            <a:off x="10190497" y="2369727"/>
+            <a:ext cx="0" cy="867263"/>
           </a:xfrm>
           <a:prstGeom prst="straightConnector1">
             <a:avLst/>
@@ -4268,11 +4524,11 @@
   <p:clrMapOvr>
     <a:masterClrMapping/>
   </p:clrMapOvr>
-  <mc:AlternateContent xmlns:mc="http://schemas.openxmlformats.org/markup-compatibility/2006">
-    <mc:Choice xmlns:p14="http://schemas.microsoft.com/office/powerpoint/2010/main" Requires="p14">
+  <mc:AlternateContent xmlns:mc="http://schemas.openxmlformats.org/markup-compatibility/2006" xmlns:p14="http://schemas.microsoft.com/office/powerpoint/2010/main">
+    <mc:Choice Requires="p14">
       <p:transition p14:dur="10"/>
     </mc:Choice>
-    <mc:Fallback>
+    <mc:Fallback xmlns="">
       <p:transition/>
     </mc:Fallback>
   </mc:AlternateContent>
@@ -6093,7 +6349,7 @@
                                           </p:stCondLst>
                                         </p:cTn>
                                         <p:tgtEl>
-                                          <p:spTgt spid="40"/>
+                                          <p:spTgt spid="60"/>
                                         </p:tgtEl>
                                         <p:attrNameLst>
                                           <p:attrName>style.visibility</p:attrName>
@@ -6107,7 +6363,7 @@
                                       <p:cBhvr>
                                         <p:cTn id="170" dur="500"/>
                                         <p:tgtEl>
-                                          <p:spTgt spid="40"/>
+                                          <p:spTgt spid="60"/>
                                         </p:tgtEl>
                                       </p:cBhvr>
                                     </p:animEffect>
@@ -6133,13 +6389,10 @@
                             </p:stCondLst>
                             <p:childTnLst>
                               <p:par>
-                                <p:cTn id="173" presetID="22" presetClass="entr" presetSubtype="1" fill="hold" grpId="0" nodeType="clickEffect">
+                                <p:cTn id="173" presetID="22" presetClass="entr" presetSubtype="1" fill="hold" nodeType="clickEffect">
                                   <p:stCondLst>
                                     <p:cond delay="0"/>
                                   </p:stCondLst>
-                                  <p:iterate type="lt">
-                                    <p:tmPct val="0"/>
-                                  </p:iterate>
                                   <p:childTnLst>
                                     <p:set>
                                       <p:cBhvr>
@@ -6149,7 +6402,7 @@
                                           </p:stCondLst>
                                         </p:cTn>
                                         <p:tgtEl>
-                                          <p:spTgt spid="22"/>
+                                          <p:spTgt spid="65"/>
                                         </p:tgtEl>
                                         <p:attrNameLst>
                                           <p:attrName>style.visibility</p:attrName>
@@ -6163,7 +6416,7 @@
                                       <p:cBhvr>
                                         <p:cTn id="175" dur="500"/>
                                         <p:tgtEl>
-                                          <p:spTgt spid="22"/>
+                                          <p:spTgt spid="65"/>
                                         </p:tgtEl>
                                       </p:cBhvr>
                                     </p:animEffect>
@@ -6189,7 +6442,63 @@
                             </p:stCondLst>
                             <p:childTnLst>
                               <p:par>
-                                <p:cTn id="178" presetID="18" presetClass="emph" presetSubtype="0" fill="hold" grpId="1" nodeType="clickEffect">
+                                <p:cTn id="178" presetID="22" presetClass="entr" presetSubtype="1" fill="hold" grpId="0" nodeType="clickEffect">
+                                  <p:stCondLst>
+                                    <p:cond delay="0"/>
+                                  </p:stCondLst>
+                                  <p:iterate type="lt">
+                                    <p:tmPct val="0"/>
+                                  </p:iterate>
+                                  <p:childTnLst>
+                                    <p:set>
+                                      <p:cBhvr>
+                                        <p:cTn id="179" dur="1" fill="hold">
+                                          <p:stCondLst>
+                                            <p:cond delay="0"/>
+                                          </p:stCondLst>
+                                        </p:cTn>
+                                        <p:tgtEl>
+                                          <p:spTgt spid="22"/>
+                                        </p:tgtEl>
+                                        <p:attrNameLst>
+                                          <p:attrName>style.visibility</p:attrName>
+                                        </p:attrNameLst>
+                                      </p:cBhvr>
+                                      <p:to>
+                                        <p:strVal val="visible"/>
+                                      </p:to>
+                                    </p:set>
+                                    <p:animEffect transition="in" filter="wipe(up)">
+                                      <p:cBhvr>
+                                        <p:cTn id="180" dur="500"/>
+                                        <p:tgtEl>
+                                          <p:spTgt spid="22"/>
+                                        </p:tgtEl>
+                                      </p:cBhvr>
+                                    </p:animEffect>
+                                  </p:childTnLst>
+                                </p:cTn>
+                              </p:par>
+                            </p:childTnLst>
+                          </p:cTn>
+                        </p:par>
+                      </p:childTnLst>
+                    </p:cTn>
+                  </p:par>
+                  <p:par>
+                    <p:cTn id="181" fill="hold">
+                      <p:stCondLst>
+                        <p:cond delay="indefinite"/>
+                      </p:stCondLst>
+                      <p:childTnLst>
+                        <p:par>
+                          <p:cTn id="182" fill="hold">
+                            <p:stCondLst>
+                              <p:cond delay="0"/>
+                            </p:stCondLst>
+                            <p:childTnLst>
+                              <p:par>
+                                <p:cTn id="183" presetID="18" presetClass="emph" presetSubtype="0" fill="hold" grpId="1" nodeType="clickEffect">
                                   <p:stCondLst>
                                     <p:cond delay="0"/>
                                   </p:stCondLst>
@@ -6199,7 +6508,7 @@
                                   <p:childTnLst>
                                     <p:set>
                                       <p:cBhvr override="childStyle">
-                                        <p:cTn id="179" dur="500" fill="hold"/>
+                                        <p:cTn id="184" dur="500" fill="hold"/>
                                         <p:tgtEl>
                                           <p:spTgt spid="22"/>
                                         </p:tgtEl>
@@ -6221,26 +6530,438 @@
                     </p:cTn>
                   </p:par>
                   <p:par>
-                    <p:cTn id="180" fill="hold">
+                    <p:cTn id="185" fill="hold">
                       <p:stCondLst>
                         <p:cond delay="indefinite"/>
                       </p:stCondLst>
                       <p:childTnLst>
                         <p:par>
-                          <p:cTn id="181" fill="hold">
+                          <p:cTn id="186" fill="hold">
                             <p:stCondLst>
                               <p:cond delay="0"/>
                             </p:stCondLst>
                             <p:childTnLst>
                               <p:par>
-                                <p:cTn id="182" presetID="47" presetClass="entr" presetSubtype="0" fill="hold" grpId="0" nodeType="clickEffect">
+                                <p:cTn id="187" presetID="22" presetClass="entr" presetSubtype="1" fill="hold" nodeType="clickEffect">
                                   <p:stCondLst>
                                     <p:cond delay="0"/>
                                   </p:stCondLst>
                                   <p:childTnLst>
                                     <p:set>
                                       <p:cBhvr>
-                                        <p:cTn id="183" dur="1" fill="hold">
+                                        <p:cTn id="188" dur="1" fill="hold">
+                                          <p:stCondLst>
+                                            <p:cond delay="0"/>
+                                          </p:stCondLst>
+                                        </p:cTn>
+                                        <p:tgtEl>
+                                          <p:spTgt spid="67"/>
+                                        </p:tgtEl>
+                                        <p:attrNameLst>
+                                          <p:attrName>style.visibility</p:attrName>
+                                        </p:attrNameLst>
+                                      </p:cBhvr>
+                                      <p:to>
+                                        <p:strVal val="visible"/>
+                                      </p:to>
+                                    </p:set>
+                                    <p:animEffect transition="in" filter="wipe(up)">
+                                      <p:cBhvr>
+                                        <p:cTn id="189" dur="500"/>
+                                        <p:tgtEl>
+                                          <p:spTgt spid="67"/>
+                                        </p:tgtEl>
+                                      </p:cBhvr>
+                                    </p:animEffect>
+                                  </p:childTnLst>
+                                </p:cTn>
+                              </p:par>
+                            </p:childTnLst>
+                          </p:cTn>
+                        </p:par>
+                      </p:childTnLst>
+                    </p:cTn>
+                  </p:par>
+                  <p:par>
+                    <p:cTn id="190" fill="hold">
+                      <p:stCondLst>
+                        <p:cond delay="indefinite"/>
+                      </p:stCondLst>
+                      <p:childTnLst>
+                        <p:par>
+                          <p:cTn id="191" fill="hold">
+                            <p:stCondLst>
+                              <p:cond delay="0"/>
+                            </p:stCondLst>
+                            <p:childTnLst>
+                              <p:par>
+                                <p:cTn id="192" presetID="22" presetClass="entr" presetSubtype="1" fill="hold" nodeType="clickEffect">
+                                  <p:stCondLst>
+                                    <p:cond delay="0"/>
+                                  </p:stCondLst>
+                                  <p:childTnLst>
+                                    <p:set>
+                                      <p:cBhvr>
+                                        <p:cTn id="193" dur="1" fill="hold">
+                                          <p:stCondLst>
+                                            <p:cond delay="0"/>
+                                          </p:stCondLst>
+                                        </p:cTn>
+                                        <p:tgtEl>
+                                          <p:spTgt spid="74"/>
+                                        </p:tgtEl>
+                                        <p:attrNameLst>
+                                          <p:attrName>style.visibility</p:attrName>
+                                        </p:attrNameLst>
+                                      </p:cBhvr>
+                                      <p:to>
+                                        <p:strVal val="visible"/>
+                                      </p:to>
+                                    </p:set>
+                                    <p:animEffect transition="in" filter="wipe(up)">
+                                      <p:cBhvr>
+                                        <p:cTn id="194" dur="500"/>
+                                        <p:tgtEl>
+                                          <p:spTgt spid="74"/>
+                                        </p:tgtEl>
+                                      </p:cBhvr>
+                                    </p:animEffect>
+                                  </p:childTnLst>
+                                </p:cTn>
+                              </p:par>
+                            </p:childTnLst>
+                          </p:cTn>
+                        </p:par>
+                      </p:childTnLst>
+                    </p:cTn>
+                  </p:par>
+                  <p:par>
+                    <p:cTn id="195" fill="hold">
+                      <p:stCondLst>
+                        <p:cond delay="indefinite"/>
+                      </p:stCondLst>
+                      <p:childTnLst>
+                        <p:par>
+                          <p:cTn id="196" fill="hold">
+                            <p:stCondLst>
+                              <p:cond delay="0"/>
+                            </p:stCondLst>
+                            <p:childTnLst>
+                              <p:par>
+                                <p:cTn id="197" presetID="22" presetClass="entr" presetSubtype="1" fill="hold" grpId="0" nodeType="clickEffect">
+                                  <p:stCondLst>
+                                    <p:cond delay="0"/>
+                                  </p:stCondLst>
+                                  <p:iterate type="lt">
+                                    <p:tmPct val="0"/>
+                                  </p:iterate>
+                                  <p:childTnLst>
+                                    <p:set>
+                                      <p:cBhvr>
+                                        <p:cTn id="198" dur="1" fill="hold">
+                                          <p:stCondLst>
+                                            <p:cond delay="0"/>
+                                          </p:stCondLst>
+                                        </p:cTn>
+                                        <p:tgtEl>
+                                          <p:spTgt spid="37"/>
+                                        </p:tgtEl>
+                                        <p:attrNameLst>
+                                          <p:attrName>style.visibility</p:attrName>
+                                        </p:attrNameLst>
+                                      </p:cBhvr>
+                                      <p:to>
+                                        <p:strVal val="visible"/>
+                                      </p:to>
+                                    </p:set>
+                                    <p:animEffect transition="in" filter="wipe(up)">
+                                      <p:cBhvr>
+                                        <p:cTn id="199" dur="500"/>
+                                        <p:tgtEl>
+                                          <p:spTgt spid="37"/>
+                                        </p:tgtEl>
+                                      </p:cBhvr>
+                                    </p:animEffect>
+                                  </p:childTnLst>
+                                </p:cTn>
+                              </p:par>
+                            </p:childTnLst>
+                          </p:cTn>
+                        </p:par>
+                      </p:childTnLst>
+                    </p:cTn>
+                  </p:par>
+                  <p:par>
+                    <p:cTn id="200" fill="hold">
+                      <p:stCondLst>
+                        <p:cond delay="indefinite"/>
+                      </p:stCondLst>
+                      <p:childTnLst>
+                        <p:par>
+                          <p:cTn id="201" fill="hold">
+                            <p:stCondLst>
+                              <p:cond delay="0"/>
+                            </p:stCondLst>
+                            <p:childTnLst>
+                              <p:par>
+                                <p:cTn id="202" presetID="18" presetClass="emph" presetSubtype="0" fill="hold" grpId="1" nodeType="clickEffect">
+                                  <p:stCondLst>
+                                    <p:cond delay="0"/>
+                                  </p:stCondLst>
+                                  <p:iterate type="lt">
+                                    <p:tmPct val="4000"/>
+                                  </p:iterate>
+                                  <p:childTnLst>
+                                    <p:set>
+                                      <p:cBhvr override="childStyle">
+                                        <p:cTn id="203" dur="500" fill="hold"/>
+                                        <p:tgtEl>
+                                          <p:spTgt spid="37"/>
+                                        </p:tgtEl>
+                                        <p:attrNameLst>
+                                          <p:attrName>style.textDecorationUnderline</p:attrName>
+                                        </p:attrNameLst>
+                                      </p:cBhvr>
+                                      <p:to>
+                                        <p:strVal val="true"/>
+                                      </p:to>
+                                    </p:set>
+                                  </p:childTnLst>
+                                </p:cTn>
+                              </p:par>
+                            </p:childTnLst>
+                          </p:cTn>
+                        </p:par>
+                      </p:childTnLst>
+                    </p:cTn>
+                  </p:par>
+                  <p:par>
+                    <p:cTn id="204" fill="hold">
+                      <p:stCondLst>
+                        <p:cond delay="indefinite"/>
+                      </p:stCondLst>
+                      <p:childTnLst>
+                        <p:par>
+                          <p:cTn id="205" fill="hold">
+                            <p:stCondLst>
+                              <p:cond delay="0"/>
+                            </p:stCondLst>
+                            <p:childTnLst>
+                              <p:par>
+                                <p:cTn id="206" presetID="22" presetClass="entr" presetSubtype="1" fill="hold" nodeType="clickEffect">
+                                  <p:stCondLst>
+                                    <p:cond delay="0"/>
+                                  </p:stCondLst>
+                                  <p:childTnLst>
+                                    <p:set>
+                                      <p:cBhvr>
+                                        <p:cTn id="207" dur="1" fill="hold">
+                                          <p:stCondLst>
+                                            <p:cond delay="0"/>
+                                          </p:stCondLst>
+                                        </p:cTn>
+                                        <p:tgtEl>
+                                          <p:spTgt spid="76"/>
+                                        </p:tgtEl>
+                                        <p:attrNameLst>
+                                          <p:attrName>style.visibility</p:attrName>
+                                        </p:attrNameLst>
+                                      </p:cBhvr>
+                                      <p:to>
+                                        <p:strVal val="visible"/>
+                                      </p:to>
+                                    </p:set>
+                                    <p:animEffect transition="in" filter="wipe(up)">
+                                      <p:cBhvr>
+                                        <p:cTn id="208" dur="500"/>
+                                        <p:tgtEl>
+                                          <p:spTgt spid="76"/>
+                                        </p:tgtEl>
+                                      </p:cBhvr>
+                                    </p:animEffect>
+                                  </p:childTnLst>
+                                </p:cTn>
+                              </p:par>
+                            </p:childTnLst>
+                          </p:cTn>
+                        </p:par>
+                      </p:childTnLst>
+                    </p:cTn>
+                  </p:par>
+                  <p:par>
+                    <p:cTn id="209" fill="hold">
+                      <p:stCondLst>
+                        <p:cond delay="indefinite"/>
+                      </p:stCondLst>
+                      <p:childTnLst>
+                        <p:par>
+                          <p:cTn id="210" fill="hold">
+                            <p:stCondLst>
+                              <p:cond delay="0"/>
+                            </p:stCondLst>
+                            <p:childTnLst>
+                              <p:par>
+                                <p:cTn id="211" presetID="22" presetClass="entr" presetSubtype="1" fill="hold" nodeType="clickEffect">
+                                  <p:stCondLst>
+                                    <p:cond delay="0"/>
+                                  </p:stCondLst>
+                                  <p:childTnLst>
+                                    <p:set>
+                                      <p:cBhvr>
+                                        <p:cTn id="212" dur="1" fill="hold">
+                                          <p:stCondLst>
+                                            <p:cond delay="0"/>
+                                          </p:stCondLst>
+                                        </p:cTn>
+                                        <p:tgtEl>
+                                          <p:spTgt spid="82"/>
+                                        </p:tgtEl>
+                                        <p:attrNameLst>
+                                          <p:attrName>style.visibility</p:attrName>
+                                        </p:attrNameLst>
+                                      </p:cBhvr>
+                                      <p:to>
+                                        <p:strVal val="visible"/>
+                                      </p:to>
+                                    </p:set>
+                                    <p:animEffect transition="in" filter="wipe(up)">
+                                      <p:cBhvr>
+                                        <p:cTn id="213" dur="500"/>
+                                        <p:tgtEl>
+                                          <p:spTgt spid="82"/>
+                                        </p:tgtEl>
+                                      </p:cBhvr>
+                                    </p:animEffect>
+                                  </p:childTnLst>
+                                </p:cTn>
+                              </p:par>
+                            </p:childTnLst>
+                          </p:cTn>
+                        </p:par>
+                      </p:childTnLst>
+                    </p:cTn>
+                  </p:par>
+                  <p:par>
+                    <p:cTn id="214" fill="hold">
+                      <p:stCondLst>
+                        <p:cond delay="indefinite"/>
+                      </p:stCondLst>
+                      <p:childTnLst>
+                        <p:par>
+                          <p:cTn id="215" fill="hold">
+                            <p:stCondLst>
+                              <p:cond delay="0"/>
+                            </p:stCondLst>
+                            <p:childTnLst>
+                              <p:par>
+                                <p:cTn id="216" presetID="22" presetClass="entr" presetSubtype="1" fill="hold" grpId="0" nodeType="clickEffect">
+                                  <p:stCondLst>
+                                    <p:cond delay="0"/>
+                                  </p:stCondLst>
+                                  <p:iterate type="lt">
+                                    <p:tmPct val="0"/>
+                                  </p:iterate>
+                                  <p:childTnLst>
+                                    <p:set>
+                                      <p:cBhvr>
+                                        <p:cTn id="217" dur="1" fill="hold">
+                                          <p:stCondLst>
+                                            <p:cond delay="0"/>
+                                          </p:stCondLst>
+                                        </p:cTn>
+                                        <p:tgtEl>
+                                          <p:spTgt spid="39"/>
+                                        </p:tgtEl>
+                                        <p:attrNameLst>
+                                          <p:attrName>style.visibility</p:attrName>
+                                        </p:attrNameLst>
+                                      </p:cBhvr>
+                                      <p:to>
+                                        <p:strVal val="visible"/>
+                                      </p:to>
+                                    </p:set>
+                                    <p:animEffect transition="in" filter="wipe(up)">
+                                      <p:cBhvr>
+                                        <p:cTn id="218" dur="500"/>
+                                        <p:tgtEl>
+                                          <p:spTgt spid="39"/>
+                                        </p:tgtEl>
+                                      </p:cBhvr>
+                                    </p:animEffect>
+                                  </p:childTnLst>
+                                </p:cTn>
+                              </p:par>
+                            </p:childTnLst>
+                          </p:cTn>
+                        </p:par>
+                      </p:childTnLst>
+                    </p:cTn>
+                  </p:par>
+                  <p:par>
+                    <p:cTn id="219" fill="hold">
+                      <p:stCondLst>
+                        <p:cond delay="indefinite"/>
+                      </p:stCondLst>
+                      <p:childTnLst>
+                        <p:par>
+                          <p:cTn id="220" fill="hold">
+                            <p:stCondLst>
+                              <p:cond delay="0"/>
+                            </p:stCondLst>
+                            <p:childTnLst>
+                              <p:par>
+                                <p:cTn id="221" presetID="18" presetClass="emph" presetSubtype="0" fill="hold" grpId="1" nodeType="clickEffect">
+                                  <p:stCondLst>
+                                    <p:cond delay="0"/>
+                                  </p:stCondLst>
+                                  <p:iterate type="lt">
+                                    <p:tmPct val="4000"/>
+                                  </p:iterate>
+                                  <p:childTnLst>
+                                    <p:set>
+                                      <p:cBhvr override="childStyle">
+                                        <p:cTn id="222" dur="500" fill="hold"/>
+                                        <p:tgtEl>
+                                          <p:spTgt spid="39"/>
+                                        </p:tgtEl>
+                                        <p:attrNameLst>
+                                          <p:attrName>style.textDecorationUnderline</p:attrName>
+                                        </p:attrNameLst>
+                                      </p:cBhvr>
+                                      <p:to>
+                                        <p:strVal val="true"/>
+                                      </p:to>
+                                    </p:set>
+                                  </p:childTnLst>
+                                </p:cTn>
+                              </p:par>
+                            </p:childTnLst>
+                          </p:cTn>
+                        </p:par>
+                      </p:childTnLst>
+                    </p:cTn>
+                  </p:par>
+                  <p:par>
+                    <p:cTn id="223" fill="hold">
+                      <p:stCondLst>
+                        <p:cond delay="indefinite"/>
+                      </p:stCondLst>
+                      <p:childTnLst>
+                        <p:par>
+                          <p:cTn id="224" fill="hold">
+                            <p:stCondLst>
+                              <p:cond delay="0"/>
+                            </p:stCondLst>
+                            <p:childTnLst>
+                              <p:par>
+                                <p:cTn id="225" presetID="47" presetClass="entr" presetSubtype="0" fill="hold" grpId="0" nodeType="clickEffect">
+                                  <p:stCondLst>
+                                    <p:cond delay="0"/>
+                                  </p:stCondLst>
+                                  <p:childTnLst>
+                                    <p:set>
+                                      <p:cBhvr>
+                                        <p:cTn id="226" dur="1" fill="hold">
                                           <p:stCondLst>
                                             <p:cond delay="0"/>
                                           </p:stCondLst>
@@ -6258,7 +6979,7 @@
                                     </p:set>
                                     <p:animEffect transition="in" filter="fade">
                                       <p:cBhvr>
-                                        <p:cTn id="184" dur="1000"/>
+                                        <p:cTn id="227" dur="1000"/>
                                         <p:tgtEl>
                                           <p:spTgt spid="23"/>
                                         </p:tgtEl>
@@ -6266,7 +6987,7 @@
                                     </p:animEffect>
                                     <p:anim calcmode="lin" valueType="num">
                                       <p:cBhvr>
-                                        <p:cTn id="185" dur="1000" fill="hold"/>
+                                        <p:cTn id="228" dur="1000" fill="hold"/>
                                         <p:tgtEl>
                                           <p:spTgt spid="23"/>
                                         </p:tgtEl>
@@ -6289,7 +7010,7 @@
                                     </p:anim>
                                     <p:anim calcmode="lin" valueType="num">
                                       <p:cBhvr>
-                                        <p:cTn id="186" dur="1000" fill="hold"/>
+                                        <p:cTn id="229" dur="1000" fill="hold"/>
                                         <p:tgtEl>
                                           <p:spTgt spid="23"/>
                                         </p:tgtEl>
@@ -6320,26 +7041,26 @@
                     </p:cTn>
                   </p:par>
                   <p:par>
-                    <p:cTn id="187" fill="hold">
+                    <p:cTn id="230" fill="hold">
                       <p:stCondLst>
                         <p:cond delay="indefinite"/>
                       </p:stCondLst>
                       <p:childTnLst>
                         <p:par>
-                          <p:cTn id="188" fill="hold">
+                          <p:cTn id="231" fill="hold">
                             <p:stCondLst>
                               <p:cond delay="0"/>
                             </p:stCondLst>
                             <p:childTnLst>
                               <p:par>
-                                <p:cTn id="189" presetID="2" presetClass="entr" presetSubtype="4" fill="hold" grpId="0" nodeType="clickEffect">
+                                <p:cTn id="232" presetID="37" presetClass="entr" presetSubtype="0" fill="hold" grpId="0" nodeType="clickEffect">
                                   <p:stCondLst>
                                     <p:cond delay="0"/>
                                   </p:stCondLst>
                                   <p:childTnLst>
                                     <p:set>
                                       <p:cBhvr>
-                                        <p:cTn id="190" dur="1" fill="hold">
+                                        <p:cTn id="233" dur="1" fill="hold">
                                           <p:stCondLst>
                                             <p:cond delay="0"/>
                                           </p:stCondLst>
@@ -6355,9 +7076,17 @@
                                         <p:strVal val="visible"/>
                                       </p:to>
                                     </p:set>
+                                    <p:animEffect transition="in" filter="fade">
+                                      <p:cBhvr>
+                                        <p:cTn id="234" dur="1000"/>
+                                        <p:tgtEl>
+                                          <p:spTgt spid="24"/>
+                                        </p:tgtEl>
+                                      </p:cBhvr>
+                                    </p:animEffect>
                                     <p:anim calcmode="lin" valueType="num">
-                                      <p:cBhvr additive="base">
-                                        <p:cTn id="191" dur="500" fill="hold"/>
+                                      <p:cBhvr>
+                                        <p:cTn id="235" dur="1000" fill="hold"/>
                                         <p:tgtEl>
                                           <p:spTgt spid="24"/>
                                         </p:tgtEl>
@@ -6379,8 +7108,8 @@
                                       </p:tavLst>
                                     </p:anim>
                                     <p:anim calcmode="lin" valueType="num">
-                                      <p:cBhvr additive="base">
-                                        <p:cTn id="192" dur="500" fill="hold"/>
+                                      <p:cBhvr>
+                                        <p:cTn id="236" dur="900" decel="100000" fill="hold"/>
                                         <p:tgtEl>
                                           <p:spTgt spid="24"/>
                                         </p:tgtEl>
@@ -6391,7 +7120,34 @@
                                       <p:tavLst>
                                         <p:tav tm="0">
                                           <p:val>
-                                            <p:strVal val="1+#ppt_h/2"/>
+                                            <p:strVal val="#ppt_y+1"/>
+                                          </p:val>
+                                        </p:tav>
+                                        <p:tav tm="100000">
+                                          <p:val>
+                                            <p:strVal val="#ppt_y-.03"/>
+                                          </p:val>
+                                        </p:tav>
+                                      </p:tavLst>
+                                    </p:anim>
+                                    <p:anim calcmode="lin" valueType="num">
+                                      <p:cBhvr>
+                                        <p:cTn id="237" dur="100" accel="100000" fill="hold">
+                                          <p:stCondLst>
+                                            <p:cond delay="900"/>
+                                          </p:stCondLst>
+                                        </p:cTn>
+                                        <p:tgtEl>
+                                          <p:spTgt spid="24"/>
+                                        </p:tgtEl>
+                                        <p:attrNameLst>
+                                          <p:attrName>ppt_y</p:attrName>
+                                        </p:attrNameLst>
+                                      </p:cBhvr>
+                                      <p:tavLst>
+                                        <p:tav tm="0">
+                                          <p:val>
+                                            <p:strVal val="#ppt_y-.03"/>
                                           </p:val>
                                         </p:tav>
                                         <p:tav tm="100000">
@@ -6433,33 +7189,37 @@
     </p:tnLst>
     <p:bldLst>
       <p:bldP spid="2" grpId="0" animBg="1"/>
-      <p:bldP spid="2" grpId="2"/>
+      <p:bldP spid="2" grpId="2" animBg="1"/>
       <p:bldP spid="4" grpId="0" animBg="1"/>
-      <p:bldP spid="4" grpId="2"/>
+      <p:bldP spid="4" grpId="2" animBg="1"/>
       <p:bldP spid="3" grpId="0" animBg="1"/>
-      <p:bldP spid="3" grpId="2"/>
+      <p:bldP spid="3" grpId="2" animBg="1"/>
       <p:bldP spid="5" grpId="0" animBg="1"/>
-      <p:bldP spid="5" grpId="3"/>
+      <p:bldP spid="5" grpId="3" animBg="1"/>
       <p:bldP spid="6" grpId="0" animBg="1"/>
-      <p:bldP spid="6" grpId="3"/>
+      <p:bldP spid="6" grpId="3" animBg="1"/>
       <p:bldP spid="7" grpId="0" animBg="1"/>
-      <p:bldP spid="7" grpId="3"/>
+      <p:bldP spid="7" grpId="3" animBg="1"/>
       <p:bldP spid="8" grpId="0" animBg="1"/>
-      <p:bldP spid="8" grpId="2"/>
+      <p:bldP spid="8" grpId="2" animBg="1"/>
       <p:bldP spid="13" grpId="0" animBg="1"/>
-      <p:bldP spid="13" grpId="1"/>
+      <p:bldP spid="13" grpId="1" animBg="1"/>
       <p:bldP spid="15" grpId="0" animBg="1"/>
-      <p:bldP spid="15" grpId="1"/>
+      <p:bldP spid="15" grpId="1" animBg="1"/>
       <p:bldP spid="17" grpId="0" animBg="1"/>
-      <p:bldP spid="17" grpId="1"/>
+      <p:bldP spid="17" grpId="1" animBg="1"/>
       <p:bldP spid="19" grpId="0" animBg="1"/>
-      <p:bldP spid="19" grpId="1"/>
+      <p:bldP spid="19" grpId="1" animBg="1"/>
       <p:bldP spid="21" grpId="0" animBg="1"/>
-      <p:bldP spid="21" grpId="1"/>
+      <p:bldP spid="21" grpId="1" animBg="1"/>
       <p:bldP spid="22" grpId="0" animBg="1"/>
-      <p:bldP spid="22" grpId="1"/>
+      <p:bldP spid="22" grpId="1" animBg="1"/>
       <p:bldP spid="23" grpId="0" animBg="1"/>
       <p:bldP spid="24" grpId="0"/>
+      <p:bldP spid="37" grpId="0" animBg="1"/>
+      <p:bldP spid="37" grpId="1" animBg="1"/>
+      <p:bldP spid="39" grpId="0" animBg="1"/>
+      <p:bldP spid="39" grpId="1" animBg="1"/>
     </p:bldLst>
   </p:timing>
 </p:sld>
